--- a/intro-to-ai-tools-with-excel.pptx
+++ b/intro-to-ai-tools-with-excel.pptx
@@ -247,7 +247,7 @@
           <a:p>
             <a:fld id="{17A98A70-FA8C-4354-959C-C70678AC9BCF}" type="datetimeFigureOut">
               <a:rPr lang="en-US" smtClean="0"/>
-              <a:t>4/1/2025</a:t>
+              <a:t>4/25/2025</a:t>
             </a:fld>
             <a:endParaRPr lang="en-US"/>
           </a:p>
@@ -1090,7 +1090,7 @@
             <a:fld id="{1D8BD707-D9CF-40AE-B4C6-C98DA3205C09}" type="datetimeFigureOut">
               <a:rPr lang="en-US" smtClean="0"/>
               <a:pPr/>
-              <a:t>4/1/2025</a:t>
+              <a:t>4/25/2025</a:t>
             </a:fld>
             <a:endParaRPr lang="en-US"/>
           </a:p>
@@ -1255,7 +1255,7 @@
             <a:fld id="{1D8BD707-D9CF-40AE-B4C6-C98DA3205C09}" type="datetimeFigureOut">
               <a:rPr lang="en-US" smtClean="0"/>
               <a:pPr/>
-              <a:t>4/1/2025</a:t>
+              <a:t>4/25/2025</a:t>
             </a:fld>
             <a:endParaRPr lang="en-US"/>
           </a:p>
@@ -1430,7 +1430,7 @@
             <a:fld id="{1D8BD707-D9CF-40AE-B4C6-C98DA3205C09}" type="datetimeFigureOut">
               <a:rPr lang="en-US" smtClean="0"/>
               <a:pPr/>
-              <a:t>4/1/2025</a:t>
+              <a:t>4/25/2025</a:t>
             </a:fld>
             <a:endParaRPr lang="en-US"/>
           </a:p>
@@ -1595,7 +1595,7 @@
             <a:fld id="{1D8BD707-D9CF-40AE-B4C6-C98DA3205C09}" type="datetimeFigureOut">
               <a:rPr lang="en-US" smtClean="0"/>
               <a:pPr/>
-              <a:t>4/1/2025</a:t>
+              <a:t>4/25/2025</a:t>
             </a:fld>
             <a:endParaRPr lang="en-US"/>
           </a:p>
@@ -1837,7 +1837,7 @@
             <a:fld id="{1D8BD707-D9CF-40AE-B4C6-C98DA3205C09}" type="datetimeFigureOut">
               <a:rPr lang="en-US" smtClean="0"/>
               <a:pPr/>
-              <a:t>4/1/2025</a:t>
+              <a:t>4/25/2025</a:t>
             </a:fld>
             <a:endParaRPr lang="en-US"/>
           </a:p>
@@ -2119,7 +2119,7 @@
             <a:fld id="{1D8BD707-D9CF-40AE-B4C6-C98DA3205C09}" type="datetimeFigureOut">
               <a:rPr lang="en-US" smtClean="0"/>
               <a:pPr/>
-              <a:t>4/1/2025</a:t>
+              <a:t>4/25/2025</a:t>
             </a:fld>
             <a:endParaRPr lang="en-US"/>
           </a:p>
@@ -2535,7 +2535,7 @@
             <a:fld id="{1D8BD707-D9CF-40AE-B4C6-C98DA3205C09}" type="datetimeFigureOut">
               <a:rPr lang="en-US" smtClean="0"/>
               <a:pPr/>
-              <a:t>4/1/2025</a:t>
+              <a:t>4/25/2025</a:t>
             </a:fld>
             <a:endParaRPr lang="en-US"/>
           </a:p>
@@ -2649,7 +2649,7 @@
             <a:fld id="{1D8BD707-D9CF-40AE-B4C6-C98DA3205C09}" type="datetimeFigureOut">
               <a:rPr lang="en-US" smtClean="0"/>
               <a:pPr/>
-              <a:t>4/1/2025</a:t>
+              <a:t>4/25/2025</a:t>
             </a:fld>
             <a:endParaRPr lang="en-US"/>
           </a:p>
@@ -2741,7 +2741,7 @@
             <a:fld id="{1D8BD707-D9CF-40AE-B4C6-C98DA3205C09}" type="datetimeFigureOut">
               <a:rPr lang="en-US" smtClean="0"/>
               <a:pPr/>
-              <a:t>4/1/2025</a:t>
+              <a:t>4/25/2025</a:t>
             </a:fld>
             <a:endParaRPr lang="en-US"/>
           </a:p>
@@ -3013,7 +3013,7 @@
             <a:fld id="{1D8BD707-D9CF-40AE-B4C6-C98DA3205C09}" type="datetimeFigureOut">
               <a:rPr lang="en-US" smtClean="0"/>
               <a:pPr/>
-              <a:t>4/1/2025</a:t>
+              <a:t>4/25/2025</a:t>
             </a:fld>
             <a:endParaRPr lang="en-US"/>
           </a:p>
@@ -3262,7 +3262,7 @@
             <a:fld id="{1D8BD707-D9CF-40AE-B4C6-C98DA3205C09}" type="datetimeFigureOut">
               <a:rPr lang="en-US" smtClean="0"/>
               <a:pPr/>
-              <a:t>4/1/2025</a:t>
+              <a:t>4/25/2025</a:t>
             </a:fld>
             <a:endParaRPr lang="en-US"/>
           </a:p>
@@ -3475,7 +3475,7 @@
             <a:fld id="{1D8BD707-D9CF-40AE-B4C6-C98DA3205C09}" type="datetimeFigureOut">
               <a:rPr lang="en-US" smtClean="0"/>
               <a:pPr/>
-              <a:t>4/1/2025</a:t>
+              <a:t>4/25/2025</a:t>
             </a:fld>
             <a:endParaRPr lang="en-US"/>
           </a:p>
@@ -3914,7 +3914,7 @@
         <p:spPr>
           <a:xfrm>
             <a:off x="486137" y="2531318"/>
-            <a:ext cx="11979797" cy="5909310"/>
+            <a:ext cx="11979797" cy="4247317"/>
           </a:xfrm>
           <a:prstGeom prst="rect">
             <a:avLst/>
@@ -3926,28 +3926,6 @@
             <a:spAutoFit/>
           </a:bodyPr>
           <a:lstStyle/>
-          <a:p>
-            <a:r>
-              <a:rPr lang="en-US" sz="5400" b="1" dirty="0">
-                <a:solidFill>
-                  <a:srgbClr val="CF3338"/>
-                </a:solidFill>
-                <a:latin typeface="Pragmatica" panose="020B0403040502020204" pitchFamily="34" charset="0"/>
-              </a:rPr>
-              <a:t>Intro to using AI tools with Excel</a:t>
-            </a:r>
-          </a:p>
-          <a:p>
-            <a:r>
-              <a:rPr lang="en-US" sz="5400" b="1" i="1" dirty="0">
-                <a:solidFill>
-                  <a:srgbClr val="CF3338"/>
-                </a:solidFill>
-                <a:latin typeface="Pragmatica" panose="020B0403040502020204" pitchFamily="34" charset="0"/>
-              </a:rPr>
-              <a:t>or</a:t>
-            </a:r>
-          </a:p>
           <a:p>
             <a:r>
               <a:rPr lang="en-US" sz="5400" b="1" dirty="0">
@@ -5443,7 +5421,7 @@
 </file>
 
 <file path=ppt/slides/slide4.xml><?xml version="1.0" encoding="utf-8"?>
-<p:sld xmlns:a="http://schemas.openxmlformats.org/drawingml/2006/main" xmlns:r="http://schemas.openxmlformats.org/officeDocument/2006/relationships" xmlns:p="http://schemas.openxmlformats.org/presentationml/2006/main">
+<p:sld xmlns:a="http://schemas.openxmlformats.org/drawingml/2006/main" xmlns:r="http://schemas.openxmlformats.org/officeDocument/2006/relationships" xmlns:p="http://schemas.openxmlformats.org/presentationml/2006/main" show="0">
   <p:cSld>
     <p:spTree>
       <p:nvGrpSpPr>
